--- a/Proyecto Zeus - Rails.pptx
+++ b/Proyecto Zeus - Rails.pptx
@@ -3676,7 +3676,12 @@
             <p:ph type="title"/>
           </p:nvPr>
         </p:nvSpPr>
-        <p:spPr/>
+        <p:spPr>
+          <a:xfrm>
+            <a:off x="457200" y="267494"/>
+            <a:ext cx="8229600" cy="1399032"/>
+          </a:xfrm>
+        </p:spPr>
         <p:txBody>
           <a:bodyPr/>
           <a:lstStyle/>
@@ -3703,7 +3708,7 @@
         </p:nvSpPr>
         <p:spPr>
           <a:xfrm>
-            <a:off x="323528" y="2708920"/>
+            <a:off x="323528" y="2780928"/>
             <a:ext cx="1296144" cy="648072"/>
           </a:xfrm>
           <a:prstGeom prst="rect">
@@ -3746,7 +3751,7 @@
         </p:nvSpPr>
         <p:spPr>
           <a:xfrm>
-            <a:off x="323528" y="1916832"/>
+            <a:off x="323528" y="1988840"/>
             <a:ext cx="1296144" cy="648072"/>
           </a:xfrm>
           <a:prstGeom prst="rect">
@@ -3789,7 +3794,7 @@
         </p:nvSpPr>
         <p:spPr>
           <a:xfrm>
-            <a:off x="323528" y="3501008"/>
+            <a:off x="323528" y="3933056"/>
             <a:ext cx="1296144" cy="648072"/>
           </a:xfrm>
           <a:prstGeom prst="rect">
@@ -3819,20 +3824,20 @@
             <a:pPr algn="ctr"/>
             <a:r>
               <a:rPr lang="es-AR" sz="1400" dirty="0"/>
-              <a:t>Contratos</a:t>
-            </a:r>
-          </a:p>
-        </p:txBody>
-      </p:sp>
-      <p:sp>
-        <p:nvSpPr>
-          <p:cNvPr id="7" name="6 Rectángulo"/>
+              <a:t>Edesal</a:t>
+            </a:r>
+          </a:p>
+        </p:txBody>
+      </p:sp>
+      <p:sp>
+        <p:nvSpPr>
+          <p:cNvPr id="8" name="7 Rectángulo"/>
           <p:cNvSpPr/>
           <p:nvPr/>
         </p:nvSpPr>
         <p:spPr>
           <a:xfrm>
-            <a:off x="2843808" y="3501008"/>
+            <a:off x="323528" y="5157192"/>
             <a:ext cx="1296144" cy="648072"/>
           </a:xfrm>
           <a:prstGeom prst="rect">
@@ -3861,22 +3866,21 @@
           <a:p>
             <a:pPr algn="ctr"/>
             <a:r>
-              <a:rPr lang="es-AR" sz="1400" dirty="0" err="1"/>
-              <a:t>Edesals</a:t>
-            </a:r>
-            <a:endParaRPr lang="es-AR" sz="1400" dirty="0"/>
-          </a:p>
-        </p:txBody>
-      </p:sp>
-      <p:sp>
-        <p:nvSpPr>
-          <p:cNvPr id="8" name="7 Rectángulo"/>
+              <a:rPr lang="es-AR" sz="1400" dirty="0"/>
+              <a:t>Suministro</a:t>
+            </a:r>
+          </a:p>
+        </p:txBody>
+      </p:sp>
+      <p:sp>
+        <p:nvSpPr>
+          <p:cNvPr id="9" name="8 Rectángulo"/>
           <p:cNvSpPr/>
           <p:nvPr/>
         </p:nvSpPr>
         <p:spPr>
           <a:xfrm>
-            <a:off x="4427984" y="4941168"/>
+            <a:off x="1907704" y="5157192"/>
             <a:ext cx="1296144" cy="648072"/>
           </a:xfrm>
           <a:prstGeom prst="rect">
@@ -3906,20 +3910,20 @@
             <a:pPr algn="ctr"/>
             <a:r>
               <a:rPr lang="es-AR" sz="1400" dirty="0"/>
-              <a:t>Suministro</a:t>
-            </a:r>
-          </a:p>
-        </p:txBody>
-      </p:sp>
-      <p:sp>
-        <p:nvSpPr>
-          <p:cNvPr id="9" name="8 Rectángulo"/>
+              <a:t>Medidores</a:t>
+            </a:r>
+          </a:p>
+        </p:txBody>
+      </p:sp>
+      <p:sp>
+        <p:nvSpPr>
+          <p:cNvPr id="10" name="9 Rectángulo"/>
           <p:cNvSpPr/>
           <p:nvPr/>
         </p:nvSpPr>
         <p:spPr>
           <a:xfrm>
-            <a:off x="6012160" y="4941168"/>
+            <a:off x="3491880" y="5157192"/>
             <a:ext cx="1296144" cy="648072"/>
           </a:xfrm>
           <a:prstGeom prst="rect">
@@ -3949,20 +3953,20 @@
             <a:pPr algn="ctr"/>
             <a:r>
               <a:rPr lang="es-AR" sz="1400" dirty="0"/>
-              <a:t>Medidores</a:t>
-            </a:r>
-          </a:p>
-        </p:txBody>
-      </p:sp>
-      <p:sp>
-        <p:nvSpPr>
-          <p:cNvPr id="10" name="9 Rectángulo"/>
+              <a:t>Lecturas</a:t>
+            </a:r>
+          </a:p>
+        </p:txBody>
+      </p:sp>
+      <p:sp>
+        <p:nvSpPr>
+          <p:cNvPr id="11" name="10 Rectángulo"/>
           <p:cNvSpPr/>
           <p:nvPr/>
         </p:nvSpPr>
         <p:spPr>
           <a:xfrm>
-            <a:off x="7596336" y="4941168"/>
+            <a:off x="5652120" y="4293096"/>
             <a:ext cx="1296144" cy="648072"/>
           </a:xfrm>
           <a:prstGeom prst="rect">
@@ -3992,20 +3996,20 @@
             <a:pPr algn="ctr"/>
             <a:r>
               <a:rPr lang="es-AR" sz="1400" dirty="0"/>
-              <a:t>Lecturas</a:t>
-            </a:r>
-          </a:p>
-        </p:txBody>
-      </p:sp>
-      <p:sp>
-        <p:nvSpPr>
-          <p:cNvPr id="11" name="10 Rectángulo"/>
+              <a:t>Facturas</a:t>
+            </a:r>
+          </a:p>
+        </p:txBody>
+      </p:sp>
+      <p:sp>
+        <p:nvSpPr>
+          <p:cNvPr id="12" name="11 Rectángulo"/>
           <p:cNvSpPr/>
           <p:nvPr/>
         </p:nvSpPr>
         <p:spPr>
           <a:xfrm>
-            <a:off x="4427984" y="3501008"/>
+            <a:off x="7236296" y="4293096"/>
             <a:ext cx="1296144" cy="648072"/>
           </a:xfrm>
           <a:prstGeom prst="rect">
@@ -4035,20 +4039,20 @@
             <a:pPr algn="ctr"/>
             <a:r>
               <a:rPr lang="es-AR" sz="1400" dirty="0"/>
-              <a:t>Facturas</a:t>
-            </a:r>
-          </a:p>
-        </p:txBody>
-      </p:sp>
-      <p:sp>
-        <p:nvSpPr>
-          <p:cNvPr id="12" name="11 Rectángulo"/>
+              <a:t>Líneas</a:t>
+            </a:r>
+          </a:p>
+        </p:txBody>
+      </p:sp>
+      <p:sp>
+        <p:nvSpPr>
+          <p:cNvPr id="13" name="12 Rectángulo"/>
           <p:cNvSpPr/>
           <p:nvPr/>
         </p:nvSpPr>
         <p:spPr>
           <a:xfrm>
-            <a:off x="6012160" y="3501008"/>
+            <a:off x="5652120" y="3573016"/>
             <a:ext cx="1296144" cy="648072"/>
           </a:xfrm>
           <a:prstGeom prst="rect">
@@ -4078,20 +4082,25 @@
             <a:pPr algn="ctr"/>
             <a:r>
               <a:rPr lang="es-AR" sz="1400" dirty="0"/>
-              <a:t>Líneas</a:t>
-            </a:r>
-          </a:p>
-        </p:txBody>
-      </p:sp>
-      <p:sp>
-        <p:nvSpPr>
-          <p:cNvPr id="13" name="12 Rectángulo"/>
+              <a:t>Cargos </a:t>
+            </a:r>
+            <a:r>
+              <a:rPr lang="es-AR" sz="1400" dirty="0" err="1"/>
+              <a:t>Add</a:t>
+            </a:r>
+            <a:endParaRPr lang="es-AR" sz="1400" dirty="0"/>
+          </a:p>
+        </p:txBody>
+      </p:sp>
+      <p:sp>
+        <p:nvSpPr>
+          <p:cNvPr id="14" name="13 Rectángulo"/>
           <p:cNvSpPr/>
           <p:nvPr/>
         </p:nvSpPr>
         <p:spPr>
           <a:xfrm>
-            <a:off x="4427984" y="2780928"/>
+            <a:off x="1907704" y="5877272"/>
             <a:ext cx="1296144" cy="648072"/>
           </a:xfrm>
           <a:prstGeom prst="rect">
@@ -4121,25 +4130,20 @@
             <a:pPr algn="ctr"/>
             <a:r>
               <a:rPr lang="es-AR" sz="1400" dirty="0"/>
-              <a:t>Cargos </a:t>
-            </a:r>
-            <a:r>
-              <a:rPr lang="es-AR" sz="1400" dirty="0" err="1"/>
-              <a:t>Add</a:t>
-            </a:r>
-            <a:endParaRPr lang="es-AR" sz="1400" dirty="0"/>
-          </a:p>
-        </p:txBody>
-      </p:sp>
-      <p:sp>
-        <p:nvSpPr>
-          <p:cNvPr id="14" name="13 Rectángulo"/>
+              <a:t>Os Trabajo</a:t>
+            </a:r>
+          </a:p>
+        </p:txBody>
+      </p:sp>
+      <p:sp>
+        <p:nvSpPr>
+          <p:cNvPr id="15" name="14 Rectángulo"/>
           <p:cNvSpPr/>
           <p:nvPr/>
         </p:nvSpPr>
         <p:spPr>
           <a:xfrm>
-            <a:off x="6012160" y="5661248"/>
+            <a:off x="5652120" y="2852936"/>
             <a:ext cx="1296144" cy="648072"/>
           </a:xfrm>
           <a:prstGeom prst="rect">
@@ -4169,20 +4173,20 @@
             <a:pPr algn="ctr"/>
             <a:r>
               <a:rPr lang="es-AR" sz="1400" dirty="0"/>
-              <a:t>Os Trabajo</a:t>
-            </a:r>
-          </a:p>
-        </p:txBody>
-      </p:sp>
-      <p:sp>
-        <p:nvSpPr>
-          <p:cNvPr id="15" name="14 Rectángulo"/>
+              <a:t>Acuerdos</a:t>
+            </a:r>
+          </a:p>
+        </p:txBody>
+      </p:sp>
+      <p:sp>
+        <p:nvSpPr>
+          <p:cNvPr id="16" name="15 Rectángulo"/>
           <p:cNvSpPr/>
           <p:nvPr/>
         </p:nvSpPr>
         <p:spPr>
           <a:xfrm>
-            <a:off x="4427984" y="2060848"/>
+            <a:off x="5652120" y="5013176"/>
             <a:ext cx="1296144" cy="648072"/>
           </a:xfrm>
           <a:prstGeom prst="rect">
@@ -4212,254 +4216,29 @@
             <a:pPr algn="ctr"/>
             <a:r>
               <a:rPr lang="es-AR" sz="1400" dirty="0"/>
-              <a:t>Acuerdos</a:t>
-            </a:r>
-          </a:p>
-        </p:txBody>
-      </p:sp>
-      <p:sp>
-        <p:nvSpPr>
-          <p:cNvPr id="16" name="15 Rectángulo"/>
-          <p:cNvSpPr/>
-          <p:nvPr/>
-        </p:nvSpPr>
-        <p:spPr>
-          <a:xfrm>
-            <a:off x="4427984" y="4221088"/>
-            <a:ext cx="1296144" cy="648072"/>
-          </a:xfrm>
-          <a:prstGeom prst="rect">
-            <a:avLst/>
-          </a:prstGeom>
-        </p:spPr>
-        <p:style>
-          <a:lnRef idx="2">
-            <a:schemeClr val="accent1">
-              <a:shade val="50000"/>
-            </a:schemeClr>
-          </a:lnRef>
-          <a:fillRef idx="1">
-            <a:schemeClr val="accent1"/>
-          </a:fillRef>
-          <a:effectRef idx="0">
-            <a:schemeClr val="accent1"/>
-          </a:effectRef>
-          <a:fontRef idx="minor">
-            <a:schemeClr val="lt1"/>
-          </a:fontRef>
-        </p:style>
-        <p:txBody>
-          <a:bodyPr rtlCol="0" anchor="ctr"/>
-          <a:lstStyle/>
-          <a:p>
-            <a:pPr algn="ctr"/>
-            <a:r>
-              <a:rPr lang="es-AR" sz="1400" dirty="0"/>
               <a:t>Reclamos</a:t>
             </a:r>
           </a:p>
         </p:txBody>
       </p:sp>
-      <p:sp>
-        <p:nvSpPr>
-          <p:cNvPr id="17" name="16 Rectángulo"/>
-          <p:cNvSpPr/>
-          <p:nvPr/>
-        </p:nvSpPr>
-        <p:spPr>
-          <a:xfrm>
-            <a:off x="1907704" y="1916832"/>
-            <a:ext cx="1296144" cy="648072"/>
-          </a:xfrm>
-          <a:prstGeom prst="rect">
-            <a:avLst/>
-          </a:prstGeom>
-        </p:spPr>
-        <p:style>
-          <a:lnRef idx="2">
-            <a:schemeClr val="accent1">
-              <a:shade val="50000"/>
-            </a:schemeClr>
-          </a:lnRef>
-          <a:fillRef idx="1">
-            <a:schemeClr val="accent1"/>
-          </a:fillRef>
-          <a:effectRef idx="0">
-            <a:schemeClr val="accent1"/>
-          </a:effectRef>
-          <a:fontRef idx="minor">
-            <a:schemeClr val="lt1"/>
-          </a:fontRef>
-        </p:style>
-        <p:txBody>
-          <a:bodyPr rtlCol="0" anchor="ctr"/>
-          <a:lstStyle/>
-          <a:p>
-            <a:pPr algn="ctr"/>
-            <a:r>
-              <a:rPr lang="es-AR" sz="1400" dirty="0"/>
-              <a:t>Historial</a:t>
-            </a:r>
-          </a:p>
-        </p:txBody>
-      </p:sp>
-      <p:cxnSp>
-        <p:nvCxnSpPr>
-          <p:cNvPr id="21" name="20 Conector angular"/>
-          <p:cNvCxnSpPr>
-            <a:stCxn id="7" idx="3"/>
-            <a:endCxn id="15" idx="1"/>
-          </p:cNvCxnSpPr>
-          <p:nvPr/>
-        </p:nvCxnSpPr>
-        <p:spPr>
-          <a:xfrm flipV="1">
-            <a:off x="4139952" y="2384884"/>
-            <a:ext cx="288032" cy="1440160"/>
-          </a:xfrm>
-          <a:prstGeom prst="bentConnector3">
-            <a:avLst>
-              <a:gd name="adj1" fmla="val 50000"/>
-            </a:avLst>
-          </a:prstGeom>
-        </p:spPr>
-        <p:style>
-          <a:lnRef idx="1">
-            <a:schemeClr val="accent1"/>
-          </a:lnRef>
-          <a:fillRef idx="0">
-            <a:schemeClr val="accent1"/>
-          </a:fillRef>
-          <a:effectRef idx="0">
-            <a:schemeClr val="accent1"/>
-          </a:effectRef>
-          <a:fontRef idx="minor">
-            <a:schemeClr val="tx1"/>
-          </a:fontRef>
-        </p:style>
-      </p:cxnSp>
-      <p:cxnSp>
-        <p:nvCxnSpPr>
-          <p:cNvPr id="23" name="22 Conector angular"/>
-          <p:cNvCxnSpPr>
-            <a:stCxn id="7" idx="3"/>
-            <a:endCxn id="13" idx="1"/>
-          </p:cNvCxnSpPr>
-          <p:nvPr/>
-        </p:nvCxnSpPr>
-        <p:spPr>
-          <a:xfrm flipV="1">
-            <a:off x="4139952" y="3104964"/>
-            <a:ext cx="288032" cy="720080"/>
-          </a:xfrm>
-          <a:prstGeom prst="bentConnector3">
-            <a:avLst>
-              <a:gd name="adj1" fmla="val 50000"/>
-            </a:avLst>
-          </a:prstGeom>
-        </p:spPr>
-        <p:style>
-          <a:lnRef idx="1">
-            <a:schemeClr val="accent1"/>
-          </a:lnRef>
-          <a:fillRef idx="0">
-            <a:schemeClr val="accent1"/>
-          </a:fillRef>
-          <a:effectRef idx="0">
-            <a:schemeClr val="accent1"/>
-          </a:effectRef>
-          <a:fontRef idx="minor">
-            <a:schemeClr val="tx1"/>
-          </a:fontRef>
-        </p:style>
-      </p:cxnSp>
-      <p:cxnSp>
-        <p:nvCxnSpPr>
-          <p:cNvPr id="25" name="24 Conector angular"/>
-          <p:cNvCxnSpPr>
-            <a:stCxn id="7" idx="3"/>
-            <a:endCxn id="11" idx="1"/>
-          </p:cNvCxnSpPr>
-          <p:nvPr/>
-        </p:nvCxnSpPr>
-        <p:spPr>
-          <a:xfrm>
-            <a:off x="4139952" y="3825044"/>
-            <a:ext cx="288032" cy="12700"/>
-          </a:xfrm>
-          <a:prstGeom prst="bentConnector3">
-            <a:avLst>
-              <a:gd name="adj1" fmla="val 50000"/>
-            </a:avLst>
-          </a:prstGeom>
-        </p:spPr>
-        <p:style>
-          <a:lnRef idx="1">
-            <a:schemeClr val="accent1"/>
-          </a:lnRef>
-          <a:fillRef idx="0">
-            <a:schemeClr val="accent1"/>
-          </a:fillRef>
-          <a:effectRef idx="0">
-            <a:schemeClr val="accent1"/>
-          </a:effectRef>
-          <a:fontRef idx="minor">
-            <a:schemeClr val="tx1"/>
-          </a:fontRef>
-        </p:style>
-      </p:cxnSp>
       <p:cxnSp>
         <p:nvCxnSpPr>
           <p:cNvPr id="27" name="26 Conector angular"/>
           <p:cNvCxnSpPr>
-            <a:stCxn id="7" idx="3"/>
+            <a:cxnSpLocks/>
+            <a:stCxn id="6" idx="3"/>
             <a:endCxn id="16" idx="1"/>
           </p:cNvCxnSpPr>
           <p:nvPr/>
         </p:nvCxnSpPr>
         <p:spPr>
           <a:xfrm>
-            <a:off x="4139952" y="3825044"/>
-            <a:ext cx="288032" cy="720080"/>
+            <a:off x="1619672" y="4257092"/>
+            <a:ext cx="4032448" cy="1080120"/>
           </a:xfrm>
           <a:prstGeom prst="bentConnector3">
             <a:avLst>
-              <a:gd name="adj1" fmla="val 50000"/>
-            </a:avLst>
-          </a:prstGeom>
-        </p:spPr>
-        <p:style>
-          <a:lnRef idx="1">
-            <a:schemeClr val="accent1"/>
-          </a:lnRef>
-          <a:fillRef idx="0">
-            <a:schemeClr val="accent1"/>
-          </a:fillRef>
-          <a:effectRef idx="0">
-            <a:schemeClr val="accent1"/>
-          </a:effectRef>
-          <a:fontRef idx="minor">
-            <a:schemeClr val="tx1"/>
-          </a:fontRef>
-        </p:style>
-      </p:cxnSp>
-      <p:cxnSp>
-        <p:nvCxnSpPr>
-          <p:cNvPr id="29" name="28 Conector angular"/>
-          <p:cNvCxnSpPr>
-            <a:stCxn id="7" idx="3"/>
-            <a:endCxn id="8" idx="1"/>
-          </p:cNvCxnSpPr>
-          <p:nvPr/>
-        </p:nvCxnSpPr>
-        <p:spPr>
-          <a:xfrm>
-            <a:off x="4139952" y="3825044"/>
-            <a:ext cx="288032" cy="1440160"/>
-          </a:xfrm>
-          <a:prstGeom prst="bentConnector3">
-            <a:avLst>
-              <a:gd name="adj1" fmla="val 50000"/>
+              <a:gd name="adj1" fmla="val 87948"/>
             </a:avLst>
           </a:prstGeom>
         </p:spPr>
@@ -4482,6 +4261,7 @@
         <p:nvCxnSpPr>
           <p:cNvPr id="31" name="30 Conector angular"/>
           <p:cNvCxnSpPr>
+            <a:cxnSpLocks/>
             <a:stCxn id="11" idx="3"/>
             <a:endCxn id="12" idx="1"/>
           </p:cNvCxnSpPr>
@@ -4489,7 +4269,7 @@
         </p:nvCxnSpPr>
         <p:spPr>
           <a:xfrm>
-            <a:off x="5724128" y="3825044"/>
+            <a:off x="6948264" y="4617132"/>
             <a:ext cx="288032" cy="12700"/>
           </a:xfrm>
           <a:prstGeom prst="bentConnector3">
@@ -4524,7 +4304,7 @@
         </p:nvCxnSpPr>
         <p:spPr>
           <a:xfrm>
-            <a:off x="5724128" y="5265204"/>
+            <a:off x="1619672" y="5481228"/>
             <a:ext cx="288032" cy="12700"/>
           </a:xfrm>
           <a:prstGeom prst="bentConnector3">
@@ -4559,7 +4339,7 @@
         </p:nvCxnSpPr>
         <p:spPr>
           <a:xfrm>
-            <a:off x="5724128" y="5265204"/>
+            <a:off x="1619672" y="5481228"/>
             <a:ext cx="288032" cy="720080"/>
           </a:xfrm>
           <a:prstGeom prst="bentConnector3">
@@ -4594,7 +4374,7 @@
         </p:nvCxnSpPr>
         <p:spPr>
           <a:xfrm>
-            <a:off x="7308304" y="5265204"/>
+            <a:off x="3203848" y="5481228"/>
             <a:ext cx="288032" cy="12700"/>
           </a:xfrm>
           <a:prstGeom prst="bentConnector3">
@@ -4629,7 +4409,7 @@
         </p:nvCxnSpPr>
         <p:spPr>
           <a:xfrm>
-            <a:off x="971600" y="2564904"/>
+            <a:off x="971600" y="2636912"/>
             <a:ext cx="0" cy="144016"/>
           </a:xfrm>
           <a:prstGeom prst="line">
@@ -4662,74 +4442,8 @@
         </p:nvCxnSpPr>
         <p:spPr>
           <a:xfrm>
-            <a:off x="971600" y="3356992"/>
-            <a:ext cx="0" cy="144016"/>
-          </a:xfrm>
-          <a:prstGeom prst="line">
-            <a:avLst/>
-          </a:prstGeom>
-        </p:spPr>
-        <p:style>
-          <a:lnRef idx="1">
-            <a:schemeClr val="accent1"/>
-          </a:lnRef>
-          <a:fillRef idx="0">
-            <a:schemeClr val="accent1"/>
-          </a:fillRef>
-          <a:effectRef idx="0">
-            <a:schemeClr val="accent1"/>
-          </a:effectRef>
-          <a:fontRef idx="minor">
-            <a:schemeClr val="tx1"/>
-          </a:fontRef>
-        </p:style>
-      </p:cxnSp>
-      <p:cxnSp>
-        <p:nvCxnSpPr>
-          <p:cNvPr id="43" name="42 Conector recto"/>
-          <p:cNvCxnSpPr>
-            <a:stCxn id="5" idx="3"/>
-            <a:endCxn id="17" idx="1"/>
-          </p:cNvCxnSpPr>
-          <p:nvPr/>
-        </p:nvCxnSpPr>
-        <p:spPr>
-          <a:xfrm>
-            <a:off x="1619672" y="2240868"/>
-            <a:ext cx="288032" cy="0"/>
-          </a:xfrm>
-          <a:prstGeom prst="line">
-            <a:avLst/>
-          </a:prstGeom>
-        </p:spPr>
-        <p:style>
-          <a:lnRef idx="1">
-            <a:schemeClr val="accent1"/>
-          </a:lnRef>
-          <a:fillRef idx="0">
-            <a:schemeClr val="accent1"/>
-          </a:fillRef>
-          <a:effectRef idx="0">
-            <a:schemeClr val="accent1"/>
-          </a:effectRef>
-          <a:fontRef idx="minor">
-            <a:schemeClr val="tx1"/>
-          </a:fontRef>
-        </p:style>
-      </p:cxnSp>
-      <p:cxnSp>
-        <p:nvCxnSpPr>
-          <p:cNvPr id="45" name="44 Conector recto"/>
-          <p:cNvCxnSpPr>
-            <a:stCxn id="6" idx="3"/>
-            <a:endCxn id="7" idx="1"/>
-          </p:cNvCxnSpPr>
-          <p:nvPr/>
-        </p:nvCxnSpPr>
-        <p:spPr>
-          <a:xfrm>
-            <a:off x="1619672" y="3825044"/>
-            <a:ext cx="1224136" cy="0"/>
+            <a:off x="971600" y="3429000"/>
+            <a:ext cx="0" cy="504056"/>
           </a:xfrm>
           <a:prstGeom prst="line">
             <a:avLst/>
@@ -4764,7 +4478,7 @@
         </p:nvSpPr>
         <p:spPr>
           <a:xfrm>
-            <a:off x="7596336" y="5661248"/>
+            <a:off x="3491880" y="5877272"/>
             <a:ext cx="1296144" cy="648072"/>
           </a:xfrm>
           <a:prstGeom prst="rect">
@@ -4815,7 +4529,7 @@
         </p:nvCxnSpPr>
         <p:spPr>
           <a:xfrm>
-            <a:off x="7308304" y="5985284"/>
+            <a:off x="3203848" y="6201308"/>
             <a:ext cx="288032" cy="0"/>
           </a:xfrm>
           <a:prstGeom prst="line">
@@ -4851,7 +4565,7 @@
         </p:nvCxnSpPr>
         <p:spPr>
           <a:xfrm>
-            <a:off x="7308304" y="5961923"/>
+            <a:off x="3203848" y="6177947"/>
             <a:ext cx="288032" cy="0"/>
           </a:xfrm>
           <a:prstGeom prst="line">
@@ -4887,7 +4601,7 @@
         </p:nvSpPr>
         <p:spPr>
           <a:xfrm>
-            <a:off x="6012160" y="4209210"/>
+            <a:off x="7236296" y="5001298"/>
             <a:ext cx="1296144" cy="648072"/>
           </a:xfrm>
           <a:prstGeom prst="rect">
@@ -4938,7 +4652,7 @@
         </p:nvCxnSpPr>
         <p:spPr>
           <a:xfrm>
-            <a:off x="5724128" y="4533246"/>
+            <a:off x="6948264" y="5325334"/>
             <a:ext cx="288032" cy="0"/>
           </a:xfrm>
           <a:prstGeom prst="line">
@@ -4974,7 +4688,7 @@
         </p:nvSpPr>
         <p:spPr>
           <a:xfrm>
-            <a:off x="5976662" y="2060848"/>
+            <a:off x="7200798" y="2852936"/>
             <a:ext cx="1296144" cy="648072"/>
           </a:xfrm>
           <a:prstGeom prst="rect">
@@ -5025,11 +4739,174 @@
         </p:nvCxnSpPr>
         <p:spPr>
           <a:xfrm>
-            <a:off x="5688630" y="2384884"/>
+            <a:off x="6912766" y="3176972"/>
             <a:ext cx="288032" cy="0"/>
           </a:xfrm>
           <a:prstGeom prst="line">
             <a:avLst/>
+          </a:prstGeom>
+        </p:spPr>
+        <p:style>
+          <a:lnRef idx="1">
+            <a:schemeClr val="accent1"/>
+          </a:lnRef>
+          <a:fillRef idx="0">
+            <a:schemeClr val="accent1"/>
+          </a:fillRef>
+          <a:effectRef idx="0">
+            <a:schemeClr val="accent1"/>
+          </a:effectRef>
+          <a:fontRef idx="minor">
+            <a:schemeClr val="tx1"/>
+          </a:fontRef>
+        </p:style>
+      </p:cxnSp>
+      <p:cxnSp>
+        <p:nvCxnSpPr>
+          <p:cNvPr id="44" name="40 Conector recto">
+            <a:extLst>
+              <a:ext uri="{FF2B5EF4-FFF2-40B4-BE49-F238E27FC236}">
+                <a16:creationId xmlns:a16="http://schemas.microsoft.com/office/drawing/2014/main" id="{2060742D-1C40-4EC4-9806-5BADE01D5EFC}"/>
+              </a:ext>
+            </a:extLst>
+          </p:cNvPr>
+          <p:cNvCxnSpPr>
+            <a:cxnSpLocks/>
+            <a:stCxn id="6" idx="2"/>
+            <a:endCxn id="8" idx="0"/>
+          </p:cNvCxnSpPr>
+          <p:nvPr/>
+        </p:nvCxnSpPr>
+        <p:spPr>
+          <a:xfrm>
+            <a:off x="971600" y="4581128"/>
+            <a:ext cx="0" cy="576064"/>
+          </a:xfrm>
+          <a:prstGeom prst="line">
+            <a:avLst/>
+          </a:prstGeom>
+        </p:spPr>
+        <p:style>
+          <a:lnRef idx="1">
+            <a:schemeClr val="accent1"/>
+          </a:lnRef>
+          <a:fillRef idx="0">
+            <a:schemeClr val="accent1"/>
+          </a:fillRef>
+          <a:effectRef idx="0">
+            <a:schemeClr val="accent1"/>
+          </a:effectRef>
+          <a:fontRef idx="minor">
+            <a:schemeClr val="tx1"/>
+          </a:fontRef>
+        </p:style>
+      </p:cxnSp>
+      <p:cxnSp>
+        <p:nvCxnSpPr>
+          <p:cNvPr id="47" name="Connector: Elbow 46">
+            <a:extLst>
+              <a:ext uri="{FF2B5EF4-FFF2-40B4-BE49-F238E27FC236}">
+                <a16:creationId xmlns:a16="http://schemas.microsoft.com/office/drawing/2014/main" id="{9BE38BD1-8780-4202-9CEB-27C0C16F6CDC}"/>
+              </a:ext>
+            </a:extLst>
+          </p:cNvPr>
+          <p:cNvCxnSpPr>
+            <a:stCxn id="15" idx="1"/>
+            <a:endCxn id="6" idx="3"/>
+          </p:cNvCxnSpPr>
+          <p:nvPr/>
+        </p:nvCxnSpPr>
+        <p:spPr>
+          <a:xfrm rot="10800000" flipV="1">
+            <a:off x="1619672" y="3176972"/>
+            <a:ext cx="4032448" cy="1080120"/>
+          </a:xfrm>
+          <a:prstGeom prst="bentConnector3">
+            <a:avLst>
+              <a:gd name="adj1" fmla="val 12052"/>
+            </a:avLst>
+          </a:prstGeom>
+        </p:spPr>
+        <p:style>
+          <a:lnRef idx="1">
+            <a:schemeClr val="accent1"/>
+          </a:lnRef>
+          <a:fillRef idx="0">
+            <a:schemeClr val="accent1"/>
+          </a:fillRef>
+          <a:effectRef idx="0">
+            <a:schemeClr val="accent1"/>
+          </a:effectRef>
+          <a:fontRef idx="minor">
+            <a:schemeClr val="tx1"/>
+          </a:fontRef>
+        </p:style>
+      </p:cxnSp>
+      <p:cxnSp>
+        <p:nvCxnSpPr>
+          <p:cNvPr id="49" name="Connector: Elbow 48">
+            <a:extLst>
+              <a:ext uri="{FF2B5EF4-FFF2-40B4-BE49-F238E27FC236}">
+                <a16:creationId xmlns:a16="http://schemas.microsoft.com/office/drawing/2014/main" id="{009D1E48-72E4-4E19-8F50-7A938B20BB00}"/>
+              </a:ext>
+            </a:extLst>
+          </p:cNvPr>
+          <p:cNvCxnSpPr>
+            <a:stCxn id="13" idx="1"/>
+            <a:endCxn id="6" idx="3"/>
+          </p:cNvCxnSpPr>
+          <p:nvPr/>
+        </p:nvCxnSpPr>
+        <p:spPr>
+          <a:xfrm rot="10800000" flipV="1">
+            <a:off x="1619672" y="3897052"/>
+            <a:ext cx="4032448" cy="360040"/>
+          </a:xfrm>
+          <a:prstGeom prst="bentConnector3">
+            <a:avLst>
+              <a:gd name="adj1" fmla="val 12284"/>
+            </a:avLst>
+          </a:prstGeom>
+        </p:spPr>
+        <p:style>
+          <a:lnRef idx="1">
+            <a:schemeClr val="accent1"/>
+          </a:lnRef>
+          <a:fillRef idx="0">
+            <a:schemeClr val="accent1"/>
+          </a:fillRef>
+          <a:effectRef idx="0">
+            <a:schemeClr val="accent1"/>
+          </a:effectRef>
+          <a:fontRef idx="minor">
+            <a:schemeClr val="tx1"/>
+          </a:fontRef>
+        </p:style>
+      </p:cxnSp>
+      <p:cxnSp>
+        <p:nvCxnSpPr>
+          <p:cNvPr id="51" name="Connector: Elbow 50">
+            <a:extLst>
+              <a:ext uri="{FF2B5EF4-FFF2-40B4-BE49-F238E27FC236}">
+                <a16:creationId xmlns:a16="http://schemas.microsoft.com/office/drawing/2014/main" id="{6BD39E9A-1F5A-4187-B063-7579965DF835}"/>
+              </a:ext>
+            </a:extLst>
+          </p:cNvPr>
+          <p:cNvCxnSpPr>
+            <a:stCxn id="11" idx="1"/>
+            <a:endCxn id="6" idx="3"/>
+          </p:cNvCxnSpPr>
+          <p:nvPr/>
+        </p:nvCxnSpPr>
+        <p:spPr>
+          <a:xfrm rot="10800000">
+            <a:off x="1619672" y="4257092"/>
+            <a:ext cx="4032448" cy="360040"/>
+          </a:xfrm>
+          <a:prstGeom prst="bentConnector3">
+            <a:avLst>
+              <a:gd name="adj1" fmla="val 12052"/>
+            </a:avLst>
           </a:prstGeom>
         </p:spPr>
         <p:style>
